--- a/Presentation and Diagrams/Project Presentation .pptx
+++ b/Presentation and Diagrams/Project Presentation .pptx
@@ -305,7 +305,7 @@
           <a:p>
             <a:fld id="{FC67DE67-C9D5-4B94-9EC7-49D4C1EE2DB2}" type="datetimeFigureOut">
               <a:rPr lang="en-US" smtClean="0"/>
-              <a:t>4/25/2019</a:t>
+              <a:t>26-Apr-19</a:t>
             </a:fld>
             <a:endParaRPr lang="en-US"/>
           </a:p>
@@ -580,7 +580,7 @@
           <a:p>
             <a:fld id="{FC67DE67-C9D5-4B94-9EC7-49D4C1EE2DB2}" type="datetimeFigureOut">
               <a:rPr lang="en-US" smtClean="0"/>
-              <a:t>4/25/2019</a:t>
+              <a:t>26-Apr-19</a:t>
             </a:fld>
             <a:endParaRPr lang="en-US"/>
           </a:p>
@@ -774,7 +774,7 @@
           <a:p>
             <a:fld id="{FC67DE67-C9D5-4B94-9EC7-49D4C1EE2DB2}" type="datetimeFigureOut">
               <a:rPr lang="en-US" smtClean="0"/>
-              <a:t>4/25/2019</a:t>
+              <a:t>26-Apr-19</a:t>
             </a:fld>
             <a:endParaRPr lang="en-US"/>
           </a:p>
@@ -1047,7 +1047,7 @@
           <a:p>
             <a:fld id="{FC67DE67-C9D5-4B94-9EC7-49D4C1EE2DB2}" type="datetimeFigureOut">
               <a:rPr lang="en-US" smtClean="0"/>
-              <a:t>4/25/2019</a:t>
+              <a:t>26-Apr-19</a:t>
             </a:fld>
             <a:endParaRPr lang="en-US"/>
           </a:p>
@@ -1388,7 +1388,7 @@
           <a:p>
             <a:fld id="{FC67DE67-C9D5-4B94-9EC7-49D4C1EE2DB2}" type="datetimeFigureOut">
               <a:rPr lang="en-US" smtClean="0"/>
-              <a:t>4/25/2019</a:t>
+              <a:t>26-Apr-19</a:t>
             </a:fld>
             <a:endParaRPr lang="en-US"/>
           </a:p>
@@ -2011,7 +2011,7 @@
           <a:p>
             <a:fld id="{FC67DE67-C9D5-4B94-9EC7-49D4C1EE2DB2}" type="datetimeFigureOut">
               <a:rPr lang="en-US" smtClean="0"/>
-              <a:t>4/25/2019</a:t>
+              <a:t>26-Apr-19</a:t>
             </a:fld>
             <a:endParaRPr lang="en-US"/>
           </a:p>
@@ -2871,7 +2871,7 @@
           <a:p>
             <a:fld id="{FC67DE67-C9D5-4B94-9EC7-49D4C1EE2DB2}" type="datetimeFigureOut">
               <a:rPr lang="en-US" smtClean="0"/>
-              <a:t>4/25/2019</a:t>
+              <a:t>26-Apr-19</a:t>
             </a:fld>
             <a:endParaRPr lang="en-US"/>
           </a:p>
@@ -3041,7 +3041,7 @@
           <a:p>
             <a:fld id="{FC67DE67-C9D5-4B94-9EC7-49D4C1EE2DB2}" type="datetimeFigureOut">
               <a:rPr lang="en-US" smtClean="0"/>
-              <a:t>4/25/2019</a:t>
+              <a:t>26-Apr-19</a:t>
             </a:fld>
             <a:endParaRPr lang="en-US"/>
           </a:p>
@@ -3221,7 +3221,7 @@
           <a:p>
             <a:fld id="{FC67DE67-C9D5-4B94-9EC7-49D4C1EE2DB2}" type="datetimeFigureOut">
               <a:rPr lang="en-US" smtClean="0"/>
-              <a:t>4/25/2019</a:t>
+              <a:t>26-Apr-19</a:t>
             </a:fld>
             <a:endParaRPr lang="en-US"/>
           </a:p>
@@ -3391,7 +3391,7 @@
           <a:p>
             <a:fld id="{FC67DE67-C9D5-4B94-9EC7-49D4C1EE2DB2}" type="datetimeFigureOut">
               <a:rPr lang="en-US" smtClean="0"/>
-              <a:t>4/25/2019</a:t>
+              <a:t>26-Apr-19</a:t>
             </a:fld>
             <a:endParaRPr lang="en-US"/>
           </a:p>
@@ -3638,7 +3638,7 @@
           <a:p>
             <a:fld id="{FC67DE67-C9D5-4B94-9EC7-49D4C1EE2DB2}" type="datetimeFigureOut">
               <a:rPr lang="en-US" smtClean="0"/>
-              <a:t>4/25/2019</a:t>
+              <a:t>26-Apr-19</a:t>
             </a:fld>
             <a:endParaRPr lang="en-US"/>
           </a:p>
@@ -3930,7 +3930,7 @@
           <a:p>
             <a:fld id="{FC67DE67-C9D5-4B94-9EC7-49D4C1EE2DB2}" type="datetimeFigureOut">
               <a:rPr lang="en-US" smtClean="0"/>
-              <a:t>4/25/2019</a:t>
+              <a:t>26-Apr-19</a:t>
             </a:fld>
             <a:endParaRPr lang="en-US"/>
           </a:p>
@@ -4374,7 +4374,7 @@
           <a:p>
             <a:fld id="{FC67DE67-C9D5-4B94-9EC7-49D4C1EE2DB2}" type="datetimeFigureOut">
               <a:rPr lang="en-US" smtClean="0"/>
-              <a:t>4/25/2019</a:t>
+              <a:t>26-Apr-19</a:t>
             </a:fld>
             <a:endParaRPr lang="en-US"/>
           </a:p>
@@ -4492,7 +4492,7 @@
           <a:p>
             <a:fld id="{FC67DE67-C9D5-4B94-9EC7-49D4C1EE2DB2}" type="datetimeFigureOut">
               <a:rPr lang="en-US" smtClean="0"/>
-              <a:t>4/25/2019</a:t>
+              <a:t>26-Apr-19</a:t>
             </a:fld>
             <a:endParaRPr lang="en-US"/>
           </a:p>
@@ -4587,7 +4587,7 @@
           <a:p>
             <a:fld id="{FC67DE67-C9D5-4B94-9EC7-49D4C1EE2DB2}" type="datetimeFigureOut">
               <a:rPr lang="en-US" smtClean="0"/>
-              <a:t>4/25/2019</a:t>
+              <a:t>26-Apr-19</a:t>
             </a:fld>
             <a:endParaRPr lang="en-US"/>
           </a:p>
@@ -4866,7 +4866,7 @@
           <a:p>
             <a:fld id="{FC67DE67-C9D5-4B94-9EC7-49D4C1EE2DB2}" type="datetimeFigureOut">
               <a:rPr lang="en-US" smtClean="0"/>
-              <a:t>4/25/2019</a:t>
+              <a:t>26-Apr-19</a:t>
             </a:fld>
             <a:endParaRPr lang="en-US"/>
           </a:p>
@@ -5141,7 +5141,7 @@
           <a:p>
             <a:fld id="{FC67DE67-C9D5-4B94-9EC7-49D4C1EE2DB2}" type="datetimeFigureOut">
               <a:rPr lang="en-US" smtClean="0"/>
-              <a:t>4/25/2019</a:t>
+              <a:t>26-Apr-19</a:t>
             </a:fld>
             <a:endParaRPr lang="en-US"/>
           </a:p>
@@ -5570,7 +5570,7 @@
           <a:p>
             <a:fld id="{FC67DE67-C9D5-4B94-9EC7-49D4C1EE2DB2}" type="datetimeFigureOut">
               <a:rPr lang="en-US" smtClean="0"/>
-              <a:t>4/25/2019</a:t>
+              <a:t>26-Apr-19</a:t>
             </a:fld>
             <a:endParaRPr lang="en-US"/>
           </a:p>
@@ -9124,10 +9124,10 @@
       </p:sp>
       <p:pic>
         <p:nvPicPr>
-          <p:cNvPr id="5" name="Content Placeholder 4">
+          <p:cNvPr id="7" name="Content Placeholder 6">
             <a:extLst>
               <a:ext uri="{FF2B5EF4-FFF2-40B4-BE49-F238E27FC236}">
-                <a16:creationId xmlns:a16="http://schemas.microsoft.com/office/drawing/2014/main" id="{2EAC2BD7-8A39-478D-A799-8C6978C8BA86}"/>
+                <a16:creationId xmlns:a16="http://schemas.microsoft.com/office/drawing/2014/main" id="{FD10EF92-31EB-4DED-A9DD-2F5C0F42170C}"/>
               </a:ext>
             </a:extLst>
           </p:cNvPr>
@@ -9152,13 +9152,9 @@
         </p:blipFill>
         <p:spPr>
           <a:xfrm>
-            <a:off x="643854" y="959694"/>
-            <a:ext cx="6270662" cy="4938146"/>
+            <a:off x="761206" y="1288834"/>
+            <a:ext cx="6154009" cy="3296110"/>
           </a:xfrm>
-          <a:prstGeom prst="rect">
-            <a:avLst/>
-          </a:prstGeom>
-          <a:effectLst/>
         </p:spPr>
       </p:pic>
     </p:spTree>
